--- a/jsp/JSP_Servlet_강의_14강_세션.pptx
+++ b/jsp/JSP_Servlet_강의_14강_세션.pptx
@@ -211,7 +211,7 @@
             <a:fld id="{1EBA1ADC-3FB7-40DA-B2DE-355D9B030C78}" type="datetimeFigureOut">
               <a:rPr lang="ko-KR" altLang="en-US" smtClean="0"/>
               <a:pPr/>
-              <a:t>2021-11-05</a:t>
+              <a:t>2022-02-10</a:t>
             </a:fld>
             <a:endParaRPr lang="ko-KR" altLang="en-US"/>
           </a:p>
@@ -275,38 +275,37 @@
           <a:p>
             <a:pPr lvl="0"/>
             <a:r>
-              <a:rPr lang="ko-KR" altLang="en-US" smtClean="0"/>
+              <a:rPr lang="ko-KR" altLang="en-US"/>
               <a:t>마스터 텍스트 스타일을 편집합니다</a:t>
             </a:r>
           </a:p>
           <a:p>
             <a:pPr lvl="1"/>
             <a:r>
-              <a:rPr lang="ko-KR" altLang="en-US" smtClean="0"/>
+              <a:rPr lang="ko-KR" altLang="en-US"/>
               <a:t>둘째 수준</a:t>
             </a:r>
           </a:p>
           <a:p>
             <a:pPr lvl="2"/>
             <a:r>
-              <a:rPr lang="ko-KR" altLang="en-US" smtClean="0"/>
+              <a:rPr lang="ko-KR" altLang="en-US"/>
               <a:t>셋째 수준</a:t>
             </a:r>
           </a:p>
           <a:p>
             <a:pPr lvl="3"/>
             <a:r>
-              <a:rPr lang="ko-KR" altLang="en-US" smtClean="0"/>
+              <a:rPr lang="ko-KR" altLang="en-US"/>
               <a:t>넷째 수준</a:t>
             </a:r>
           </a:p>
           <a:p>
             <a:pPr lvl="4"/>
             <a:r>
-              <a:rPr lang="ko-KR" altLang="en-US" smtClean="0"/>
+              <a:rPr lang="ko-KR" altLang="en-US"/>
               <a:t>다섯째 수준</a:t>
             </a:r>
-            <a:endParaRPr lang="ko-KR" altLang="en-US"/>
           </a:p>
         </p:txBody>
       </p:sp>
@@ -522,10 +521,9 @@
           </a:lstStyle>
           <a:p>
             <a:r>
-              <a:rPr lang="ko-KR" altLang="en-US" smtClean="0"/>
+              <a:rPr lang="ko-KR" altLang="en-US"/>
               <a:t>마스터 제목 스타일 편집</a:t>
             </a:r>
-            <a:endParaRPr lang="ko-KR" altLang="en-US"/>
           </a:p>
         </p:txBody>
       </p:sp>
@@ -587,10 +585,9 @@
           </a:lstStyle>
           <a:p>
             <a:r>
-              <a:rPr lang="ko-KR" altLang="en-US" smtClean="0"/>
+              <a:rPr lang="ko-KR" altLang="en-US"/>
               <a:t>마스터 부제목 스타일 편집</a:t>
             </a:r>
-            <a:endParaRPr lang="ko-KR" altLang="en-US"/>
           </a:p>
         </p:txBody>
       </p:sp>
@@ -612,7 +609,7 @@
             <a:fld id="{245FE9EB-5882-4F14-9D7A-E43319FAAE5D}" type="datetime1">
               <a:rPr lang="ko-KR" altLang="en-US" smtClean="0"/>
               <a:pPr/>
-              <a:t>2021-11-05</a:t>
+              <a:t>2022-02-10</a:t>
             </a:fld>
             <a:endParaRPr lang="ko-KR" altLang="en-US"/>
           </a:p>
@@ -716,10 +713,9 @@
           </a:lstStyle>
           <a:p>
             <a:r>
-              <a:rPr lang="ko-KR" altLang="en-US" smtClean="0"/>
+              <a:rPr lang="ko-KR" altLang="en-US"/>
               <a:t>마스터 제목 스타일 편집</a:t>
             </a:r>
-            <a:endParaRPr lang="ko-KR" altLang="en-US"/>
           </a:p>
         </p:txBody>
       </p:sp>
@@ -843,7 +839,7 @@
           <a:p>
             <a:pPr lvl="0"/>
             <a:r>
-              <a:rPr lang="ko-KR" altLang="en-US" smtClean="0"/>
+              <a:rPr lang="ko-KR" altLang="en-US"/>
               <a:t>마스터 텍스트 스타일을 편집합니다</a:t>
             </a:r>
           </a:p>
@@ -867,7 +863,7 @@
             <a:fld id="{148E5BE4-290A-4A67-9142-8569AAC90C2F}" type="datetime1">
               <a:rPr lang="ko-KR" altLang="en-US" smtClean="0"/>
               <a:pPr/>
-              <a:t>2021-11-05</a:t>
+              <a:t>2022-02-10</a:t>
             </a:fld>
             <a:endParaRPr lang="ko-KR" altLang="en-US"/>
           </a:p>
@@ -962,10 +958,9 @@
           <a:lstStyle/>
           <a:p>
             <a:r>
-              <a:rPr lang="ko-KR" altLang="en-US" smtClean="0"/>
+              <a:rPr lang="ko-KR" altLang="en-US"/>
               <a:t>마스터 제목 스타일 편집</a:t>
             </a:r>
-            <a:endParaRPr lang="ko-KR" altLang="en-US"/>
           </a:p>
         </p:txBody>
       </p:sp>
@@ -986,38 +981,37 @@
           <a:p>
             <a:pPr lvl="0"/>
             <a:r>
-              <a:rPr lang="ko-KR" altLang="en-US" smtClean="0"/>
+              <a:rPr lang="ko-KR" altLang="en-US"/>
               <a:t>마스터 텍스트 스타일을 편집합니다</a:t>
             </a:r>
           </a:p>
           <a:p>
             <a:pPr lvl="1"/>
             <a:r>
-              <a:rPr lang="ko-KR" altLang="en-US" smtClean="0"/>
+              <a:rPr lang="ko-KR" altLang="en-US"/>
               <a:t>둘째 수준</a:t>
             </a:r>
           </a:p>
           <a:p>
             <a:pPr lvl="2"/>
             <a:r>
-              <a:rPr lang="ko-KR" altLang="en-US" smtClean="0"/>
+              <a:rPr lang="ko-KR" altLang="en-US"/>
               <a:t>셋째 수준</a:t>
             </a:r>
           </a:p>
           <a:p>
             <a:pPr lvl="3"/>
             <a:r>
-              <a:rPr lang="ko-KR" altLang="en-US" smtClean="0"/>
+              <a:rPr lang="ko-KR" altLang="en-US"/>
               <a:t>넷째 수준</a:t>
             </a:r>
           </a:p>
           <a:p>
             <a:pPr lvl="4"/>
             <a:r>
-              <a:rPr lang="ko-KR" altLang="en-US" smtClean="0"/>
+              <a:rPr lang="ko-KR" altLang="en-US"/>
               <a:t>다섯째 수준</a:t>
             </a:r>
-            <a:endParaRPr lang="ko-KR" altLang="en-US"/>
           </a:p>
         </p:txBody>
       </p:sp>
@@ -1039,7 +1033,7 @@
             <a:fld id="{AABD7AA9-974F-41EE-AA93-9A7D5FC26AF0}" type="datetime1">
               <a:rPr lang="ko-KR" altLang="en-US" smtClean="0"/>
               <a:pPr/>
-              <a:t>2021-11-05</a:t>
+              <a:t>2022-02-10</a:t>
             </a:fld>
             <a:endParaRPr lang="ko-KR" altLang="en-US"/>
           </a:p>
@@ -1139,10 +1133,9 @@
           <a:lstStyle/>
           <a:p>
             <a:r>
-              <a:rPr lang="ko-KR" altLang="en-US" smtClean="0"/>
+              <a:rPr lang="ko-KR" altLang="en-US"/>
               <a:t>마스터 제목 스타일 편집</a:t>
             </a:r>
-            <a:endParaRPr lang="ko-KR" altLang="en-US"/>
           </a:p>
         </p:txBody>
       </p:sp>
@@ -1168,38 +1161,37 @@
           <a:p>
             <a:pPr lvl="0"/>
             <a:r>
-              <a:rPr lang="ko-KR" altLang="en-US" smtClean="0"/>
+              <a:rPr lang="ko-KR" altLang="en-US"/>
               <a:t>마스터 텍스트 스타일을 편집합니다</a:t>
             </a:r>
           </a:p>
           <a:p>
             <a:pPr lvl="1"/>
             <a:r>
-              <a:rPr lang="ko-KR" altLang="en-US" smtClean="0"/>
+              <a:rPr lang="ko-KR" altLang="en-US"/>
               <a:t>둘째 수준</a:t>
             </a:r>
           </a:p>
           <a:p>
             <a:pPr lvl="2"/>
             <a:r>
-              <a:rPr lang="ko-KR" altLang="en-US" smtClean="0"/>
+              <a:rPr lang="ko-KR" altLang="en-US"/>
               <a:t>셋째 수준</a:t>
             </a:r>
           </a:p>
           <a:p>
             <a:pPr lvl="3"/>
             <a:r>
-              <a:rPr lang="ko-KR" altLang="en-US" smtClean="0"/>
+              <a:rPr lang="ko-KR" altLang="en-US"/>
               <a:t>넷째 수준</a:t>
             </a:r>
           </a:p>
           <a:p>
             <a:pPr lvl="4"/>
             <a:r>
-              <a:rPr lang="ko-KR" altLang="en-US" smtClean="0"/>
+              <a:rPr lang="ko-KR" altLang="en-US"/>
               <a:t>다섯째 수준</a:t>
             </a:r>
-            <a:endParaRPr lang="ko-KR" altLang="en-US"/>
           </a:p>
         </p:txBody>
       </p:sp>
@@ -1221,7 +1213,7 @@
             <a:fld id="{CA6778F7-13A7-47A7-A538-4854C83EAB76}" type="datetime1">
               <a:rPr lang="ko-KR" altLang="en-US" smtClean="0"/>
               <a:pPr/>
-              <a:t>2021-11-05</a:t>
+              <a:t>2022-02-10</a:t>
             </a:fld>
             <a:endParaRPr lang="ko-KR" altLang="en-US"/>
           </a:p>
@@ -1316,10 +1308,9 @@
           <a:lstStyle/>
           <a:p>
             <a:r>
-              <a:rPr lang="ko-KR" altLang="en-US" smtClean="0"/>
+              <a:rPr lang="ko-KR" altLang="en-US"/>
               <a:t>마스터 제목 스타일 편집</a:t>
             </a:r>
-            <a:endParaRPr lang="ko-KR" altLang="en-US"/>
           </a:p>
         </p:txBody>
       </p:sp>
@@ -1340,38 +1331,37 @@
           <a:p>
             <a:pPr lvl="0"/>
             <a:r>
-              <a:rPr lang="ko-KR" altLang="en-US" smtClean="0"/>
+              <a:rPr lang="ko-KR" altLang="en-US"/>
               <a:t>마스터 텍스트 스타일을 편집합니다</a:t>
             </a:r>
           </a:p>
           <a:p>
             <a:pPr lvl="1"/>
             <a:r>
-              <a:rPr lang="ko-KR" altLang="en-US" smtClean="0"/>
+              <a:rPr lang="ko-KR" altLang="en-US"/>
               <a:t>둘째 수준</a:t>
             </a:r>
           </a:p>
           <a:p>
             <a:pPr lvl="2"/>
             <a:r>
-              <a:rPr lang="ko-KR" altLang="en-US" smtClean="0"/>
+              <a:rPr lang="ko-KR" altLang="en-US"/>
               <a:t>셋째 수준</a:t>
             </a:r>
           </a:p>
           <a:p>
             <a:pPr lvl="3"/>
             <a:r>
-              <a:rPr lang="ko-KR" altLang="en-US" smtClean="0"/>
+              <a:rPr lang="ko-KR" altLang="en-US"/>
               <a:t>넷째 수준</a:t>
             </a:r>
           </a:p>
           <a:p>
             <a:pPr lvl="4"/>
             <a:r>
-              <a:rPr lang="ko-KR" altLang="en-US" smtClean="0"/>
+              <a:rPr lang="ko-KR" altLang="en-US"/>
               <a:t>다섯째 수준</a:t>
             </a:r>
-            <a:endParaRPr lang="ko-KR" altLang="en-US"/>
           </a:p>
         </p:txBody>
       </p:sp>
@@ -1393,7 +1383,7 @@
             <a:fld id="{97E9BB34-6711-40F2-9C7B-47A61743D4AD}" type="datetime1">
               <a:rPr lang="ko-KR" altLang="en-US" smtClean="0"/>
               <a:pPr/>
-              <a:t>2021-11-05</a:t>
+              <a:t>2022-02-10</a:t>
             </a:fld>
             <a:endParaRPr lang="ko-KR" altLang="en-US"/>
           </a:p>
@@ -1497,10 +1487,9 @@
           </a:lstStyle>
           <a:p>
             <a:r>
-              <a:rPr lang="ko-KR" altLang="en-US" smtClean="0"/>
+              <a:rPr lang="ko-KR" altLang="en-US"/>
               <a:t>마스터 제목 스타일 편집</a:t>
             </a:r>
-            <a:endParaRPr lang="ko-KR" altLang="en-US"/>
           </a:p>
         </p:txBody>
       </p:sp>
@@ -1617,7 +1606,7 @@
           <a:p>
             <a:pPr lvl="0"/>
             <a:r>
-              <a:rPr lang="ko-KR" altLang="en-US" smtClean="0"/>
+              <a:rPr lang="ko-KR" altLang="en-US"/>
               <a:t>마스터 텍스트 스타일을 편집합니다</a:t>
             </a:r>
           </a:p>
@@ -1641,7 +1630,7 @@
             <a:fld id="{01BE0FF5-5FAF-43AE-9E0C-CC3EA1B81862}" type="datetime1">
               <a:rPr lang="ko-KR" altLang="en-US" smtClean="0"/>
               <a:pPr/>
-              <a:t>2021-11-05</a:t>
+              <a:t>2022-02-10</a:t>
             </a:fld>
             <a:endParaRPr lang="ko-KR" altLang="en-US"/>
           </a:p>
@@ -1736,10 +1725,9 @@
           <a:lstStyle/>
           <a:p>
             <a:r>
-              <a:rPr lang="ko-KR" altLang="en-US" smtClean="0"/>
+              <a:rPr lang="ko-KR" altLang="en-US"/>
               <a:t>마스터 제목 스타일 편집</a:t>
             </a:r>
-            <a:endParaRPr lang="ko-KR" altLang="en-US"/>
           </a:p>
         </p:txBody>
       </p:sp>
@@ -1765,38 +1753,37 @@
           <a:p>
             <a:pPr lvl="0"/>
             <a:r>
-              <a:rPr lang="ko-KR" altLang="en-US" smtClean="0"/>
+              <a:rPr lang="ko-KR" altLang="en-US"/>
               <a:t>마스터 텍스트 스타일을 편집합니다</a:t>
             </a:r>
           </a:p>
           <a:p>
             <a:pPr lvl="1"/>
             <a:r>
-              <a:rPr lang="ko-KR" altLang="en-US" smtClean="0"/>
+              <a:rPr lang="ko-KR" altLang="en-US"/>
               <a:t>둘째 수준</a:t>
             </a:r>
           </a:p>
           <a:p>
             <a:pPr lvl="2"/>
             <a:r>
-              <a:rPr lang="ko-KR" altLang="en-US" smtClean="0"/>
+              <a:rPr lang="ko-KR" altLang="en-US"/>
               <a:t>셋째 수준</a:t>
             </a:r>
           </a:p>
           <a:p>
             <a:pPr lvl="3"/>
             <a:r>
-              <a:rPr lang="ko-KR" altLang="en-US" smtClean="0"/>
+              <a:rPr lang="ko-KR" altLang="en-US"/>
               <a:t>넷째 수준</a:t>
             </a:r>
           </a:p>
           <a:p>
             <a:pPr lvl="4"/>
             <a:r>
-              <a:rPr lang="ko-KR" altLang="en-US" smtClean="0"/>
+              <a:rPr lang="ko-KR" altLang="en-US"/>
               <a:t>다섯째 수준</a:t>
             </a:r>
-            <a:endParaRPr lang="ko-KR" altLang="en-US"/>
           </a:p>
         </p:txBody>
       </p:sp>
@@ -1822,38 +1809,37 @@
           <a:p>
             <a:pPr lvl="0"/>
             <a:r>
-              <a:rPr lang="ko-KR" altLang="en-US" smtClean="0"/>
+              <a:rPr lang="ko-KR" altLang="en-US"/>
               <a:t>마스터 텍스트 스타일을 편집합니다</a:t>
             </a:r>
           </a:p>
           <a:p>
             <a:pPr lvl="1"/>
             <a:r>
-              <a:rPr lang="ko-KR" altLang="en-US" smtClean="0"/>
+              <a:rPr lang="ko-KR" altLang="en-US"/>
               <a:t>둘째 수준</a:t>
             </a:r>
           </a:p>
           <a:p>
             <a:pPr lvl="2"/>
             <a:r>
-              <a:rPr lang="ko-KR" altLang="en-US" smtClean="0"/>
+              <a:rPr lang="ko-KR" altLang="en-US"/>
               <a:t>셋째 수준</a:t>
             </a:r>
           </a:p>
           <a:p>
             <a:pPr lvl="3"/>
             <a:r>
-              <a:rPr lang="ko-KR" altLang="en-US" smtClean="0"/>
+              <a:rPr lang="ko-KR" altLang="en-US"/>
               <a:t>넷째 수준</a:t>
             </a:r>
           </a:p>
           <a:p>
             <a:pPr lvl="4"/>
             <a:r>
-              <a:rPr lang="ko-KR" altLang="en-US" smtClean="0"/>
+              <a:rPr lang="ko-KR" altLang="en-US"/>
               <a:t>다섯째 수준</a:t>
             </a:r>
-            <a:endParaRPr lang="ko-KR" altLang="en-US"/>
           </a:p>
         </p:txBody>
       </p:sp>
@@ -1875,7 +1861,7 @@
             <a:fld id="{DAF9AB40-AB99-4455-AC5A-01B404C2C00C}" type="datetime1">
               <a:rPr lang="ko-KR" altLang="en-US" smtClean="0"/>
               <a:pPr/>
-              <a:t>2021-11-05</a:t>
+              <a:t>2022-02-10</a:t>
             </a:fld>
             <a:endParaRPr lang="ko-KR" altLang="en-US"/>
           </a:p>
@@ -1975,10 +1961,9 @@
           <a:lstStyle/>
           <a:p>
             <a:r>
-              <a:rPr lang="ko-KR" altLang="en-US" smtClean="0"/>
+              <a:rPr lang="ko-KR" altLang="en-US"/>
               <a:t>마스터 제목 스타일 편집</a:t>
             </a:r>
-            <a:endParaRPr lang="ko-KR" altLang="en-US"/>
           </a:p>
         </p:txBody>
       </p:sp>
@@ -2041,7 +2026,7 @@
           <a:p>
             <a:pPr lvl="0"/>
             <a:r>
-              <a:rPr lang="ko-KR" altLang="en-US" smtClean="0"/>
+              <a:rPr lang="ko-KR" altLang="en-US"/>
               <a:t>마스터 텍스트 스타일을 편집합니다</a:t>
             </a:r>
           </a:p>
@@ -2069,38 +2054,37 @@
           <a:p>
             <a:pPr lvl="0"/>
             <a:r>
-              <a:rPr lang="ko-KR" altLang="en-US" smtClean="0"/>
+              <a:rPr lang="ko-KR" altLang="en-US"/>
               <a:t>마스터 텍스트 스타일을 편집합니다</a:t>
             </a:r>
           </a:p>
           <a:p>
             <a:pPr lvl="1"/>
             <a:r>
-              <a:rPr lang="ko-KR" altLang="en-US" smtClean="0"/>
+              <a:rPr lang="ko-KR" altLang="en-US"/>
               <a:t>둘째 수준</a:t>
             </a:r>
           </a:p>
           <a:p>
             <a:pPr lvl="2"/>
             <a:r>
-              <a:rPr lang="ko-KR" altLang="en-US" smtClean="0"/>
+              <a:rPr lang="ko-KR" altLang="en-US"/>
               <a:t>셋째 수준</a:t>
             </a:r>
           </a:p>
           <a:p>
             <a:pPr lvl="3"/>
             <a:r>
-              <a:rPr lang="ko-KR" altLang="en-US" smtClean="0"/>
+              <a:rPr lang="ko-KR" altLang="en-US"/>
               <a:t>넷째 수준</a:t>
             </a:r>
           </a:p>
           <a:p>
             <a:pPr lvl="4"/>
             <a:r>
-              <a:rPr lang="ko-KR" altLang="en-US" smtClean="0"/>
+              <a:rPr lang="ko-KR" altLang="en-US"/>
               <a:t>다섯째 수준</a:t>
             </a:r>
-            <a:endParaRPr lang="ko-KR" altLang="en-US"/>
           </a:p>
         </p:txBody>
       </p:sp>
@@ -2163,7 +2147,7 @@
           <a:p>
             <a:pPr lvl="0"/>
             <a:r>
-              <a:rPr lang="ko-KR" altLang="en-US" smtClean="0"/>
+              <a:rPr lang="ko-KR" altLang="en-US"/>
               <a:t>마스터 텍스트 스타일을 편집합니다</a:t>
             </a:r>
           </a:p>
@@ -2191,38 +2175,37 @@
           <a:p>
             <a:pPr lvl="0"/>
             <a:r>
-              <a:rPr lang="ko-KR" altLang="en-US" smtClean="0"/>
+              <a:rPr lang="ko-KR" altLang="en-US"/>
               <a:t>마스터 텍스트 스타일을 편집합니다</a:t>
             </a:r>
           </a:p>
           <a:p>
             <a:pPr lvl="1"/>
             <a:r>
-              <a:rPr lang="ko-KR" altLang="en-US" smtClean="0"/>
+              <a:rPr lang="ko-KR" altLang="en-US"/>
               <a:t>둘째 수준</a:t>
             </a:r>
           </a:p>
           <a:p>
             <a:pPr lvl="2"/>
             <a:r>
-              <a:rPr lang="ko-KR" altLang="en-US" smtClean="0"/>
+              <a:rPr lang="ko-KR" altLang="en-US"/>
               <a:t>셋째 수준</a:t>
             </a:r>
           </a:p>
           <a:p>
             <a:pPr lvl="3"/>
             <a:r>
-              <a:rPr lang="ko-KR" altLang="en-US" smtClean="0"/>
+              <a:rPr lang="ko-KR" altLang="en-US"/>
               <a:t>넷째 수준</a:t>
             </a:r>
           </a:p>
           <a:p>
             <a:pPr lvl="4"/>
             <a:r>
-              <a:rPr lang="ko-KR" altLang="en-US" smtClean="0"/>
+              <a:rPr lang="ko-KR" altLang="en-US"/>
               <a:t>다섯째 수준</a:t>
             </a:r>
-            <a:endParaRPr lang="ko-KR" altLang="en-US"/>
           </a:p>
         </p:txBody>
       </p:sp>
@@ -2244,7 +2227,7 @@
             <a:fld id="{0E3C0ECE-794B-4B99-8E02-3BB1152032F2}" type="datetime1">
               <a:rPr lang="ko-KR" altLang="en-US" smtClean="0"/>
               <a:pPr/>
-              <a:t>2021-11-05</a:t>
+              <a:t>2022-02-10</a:t>
             </a:fld>
             <a:endParaRPr lang="ko-KR" altLang="en-US"/>
           </a:p>
@@ -2339,10 +2322,9 @@
           <a:lstStyle/>
           <a:p>
             <a:r>
-              <a:rPr lang="ko-KR" altLang="en-US" smtClean="0"/>
+              <a:rPr lang="ko-KR" altLang="en-US"/>
               <a:t>마스터 제목 스타일 편집</a:t>
             </a:r>
-            <a:endParaRPr lang="ko-KR" altLang="en-US"/>
           </a:p>
         </p:txBody>
       </p:sp>
@@ -2364,7 +2346,7 @@
             <a:fld id="{0F75503B-EE7A-4049-8A0E-70C0A8C6708E}" type="datetime1">
               <a:rPr lang="ko-KR" altLang="en-US" smtClean="0"/>
               <a:pPr/>
-              <a:t>2021-11-05</a:t>
+              <a:t>2022-02-10</a:t>
             </a:fld>
             <a:endParaRPr lang="ko-KR" altLang="en-US"/>
           </a:p>
@@ -2782,13 +2764,6 @@
   <p:clrMapOvr>
     <a:masterClrMapping/>
   </p:clrMapOvr>
-  <p:timing>
-    <p:tnLst>
-      <p:par>
-        <p:cTn id="1" dur="indefinite" restart="never" nodeType="tmRoot"/>
-      </p:par>
-    </p:tnLst>
-  </p:timing>
 </p:sldLayout>
 </file>
 
@@ -2889,7 +2864,7 @@
           <a:p>
             <a:pPr algn="r"/>
             <a:r>
-              <a:rPr lang="en-US" altLang="ko-KR" sz="1600" kern="1200" dirty="0" smtClean="0">
+              <a:rPr lang="en-US" altLang="ko-KR" sz="1600" kern="1200" dirty="0">
                 <a:solidFill>
                   <a:schemeClr val="tx1"/>
                 </a:solidFill>
@@ -2901,7 +2876,7 @@
               <a:t>14</a:t>
             </a:r>
             <a:r>
-              <a:rPr lang="ko-KR" altLang="en-US" sz="1600" kern="1200" dirty="0" smtClean="0">
+              <a:rPr lang="ko-KR" altLang="en-US" sz="1600" kern="1200" dirty="0">
                 <a:solidFill>
                   <a:schemeClr val="tx1"/>
                 </a:solidFill>
@@ -2913,7 +2888,7 @@
               <a:t>강</a:t>
             </a:r>
             <a:r>
-              <a:rPr lang="en-US" altLang="ko-KR" sz="1600" kern="1200" dirty="0" smtClean="0">
+              <a:rPr lang="en-US" altLang="ko-KR" sz="1600" kern="1200" dirty="0">
                 <a:solidFill>
                   <a:schemeClr val="tx1"/>
                 </a:solidFill>
@@ -2925,7 +2900,7 @@
               <a:t>.</a:t>
             </a:r>
             <a:r>
-              <a:rPr lang="en-US" altLang="ko-KR" sz="1600" kern="1200" baseline="0" dirty="0" smtClean="0">
+              <a:rPr lang="en-US" altLang="ko-KR" sz="1600" kern="1200" baseline="0" dirty="0">
                 <a:solidFill>
                   <a:schemeClr val="tx1"/>
                 </a:solidFill>
@@ -2937,7 +2912,7 @@
               <a:t> </a:t>
             </a:r>
             <a:r>
-              <a:rPr lang="ko-KR" altLang="en-US" sz="1600" kern="1200" baseline="0" dirty="0" smtClean="0">
+              <a:rPr lang="ko-KR" altLang="en-US" sz="1600" kern="1200" baseline="0" dirty="0">
                 <a:solidFill>
                   <a:schemeClr val="tx1"/>
                 </a:solidFill>
@@ -3066,7 +3041,7 @@
             <a:fld id="{9E6BA691-BC9B-4A68-9744-1B809170C141}" type="datetime1">
               <a:rPr lang="ko-KR" altLang="en-US" smtClean="0"/>
               <a:pPr/>
-              <a:t>2021-11-05</a:t>
+              <a:t>2022-02-10</a:t>
             </a:fld>
             <a:endParaRPr lang="ko-KR" altLang="en-US"/>
           </a:p>
@@ -3135,13 +3110,6 @@
   <p:clrMapOvr>
     <a:masterClrMapping/>
   </p:clrMapOvr>
-  <p:timing>
-    <p:tnLst>
-      <p:par>
-        <p:cTn id="1" dur="indefinite" restart="never" nodeType="tmRoot"/>
-      </p:par>
-    </p:tnLst>
-  </p:timing>
 </p:sldLayout>
 </file>
 
@@ -3187,10 +3155,9 @@
           </a:lstStyle>
           <a:p>
             <a:r>
-              <a:rPr lang="ko-KR" altLang="en-US" smtClean="0"/>
+              <a:rPr lang="ko-KR" altLang="en-US"/>
               <a:t>마스터 제목 스타일 편집</a:t>
             </a:r>
-            <a:endParaRPr lang="ko-KR" altLang="en-US"/>
           </a:p>
         </p:txBody>
       </p:sp>
@@ -3244,38 +3211,37 @@
           <a:p>
             <a:pPr lvl="0"/>
             <a:r>
-              <a:rPr lang="ko-KR" altLang="en-US" smtClean="0"/>
+              <a:rPr lang="ko-KR" altLang="en-US"/>
               <a:t>마스터 텍스트 스타일을 편집합니다</a:t>
             </a:r>
           </a:p>
           <a:p>
             <a:pPr lvl="1"/>
             <a:r>
-              <a:rPr lang="ko-KR" altLang="en-US" smtClean="0"/>
+              <a:rPr lang="ko-KR" altLang="en-US"/>
               <a:t>둘째 수준</a:t>
             </a:r>
           </a:p>
           <a:p>
             <a:pPr lvl="2"/>
             <a:r>
-              <a:rPr lang="ko-KR" altLang="en-US" smtClean="0"/>
+              <a:rPr lang="ko-KR" altLang="en-US"/>
               <a:t>셋째 수준</a:t>
             </a:r>
           </a:p>
           <a:p>
             <a:pPr lvl="3"/>
             <a:r>
-              <a:rPr lang="ko-KR" altLang="en-US" smtClean="0"/>
+              <a:rPr lang="ko-KR" altLang="en-US"/>
               <a:t>넷째 수준</a:t>
             </a:r>
           </a:p>
           <a:p>
             <a:pPr lvl="4"/>
             <a:r>
-              <a:rPr lang="ko-KR" altLang="en-US" smtClean="0"/>
+              <a:rPr lang="ko-KR" altLang="en-US"/>
               <a:t>다섯째 수준</a:t>
             </a:r>
-            <a:endParaRPr lang="ko-KR" altLang="en-US"/>
           </a:p>
         </p:txBody>
       </p:sp>
@@ -3338,7 +3304,7 @@
           <a:p>
             <a:pPr lvl="0"/>
             <a:r>
-              <a:rPr lang="ko-KR" altLang="en-US" smtClean="0"/>
+              <a:rPr lang="ko-KR" altLang="en-US"/>
               <a:t>마스터 텍스트 스타일을 편집합니다</a:t>
             </a:r>
           </a:p>
@@ -3362,7 +3328,7 @@
             <a:fld id="{BB5D5985-9155-4A4F-A545-EFF2E5BDFE10}" type="datetime1">
               <a:rPr lang="ko-KR" altLang="en-US" smtClean="0"/>
               <a:pPr/>
-              <a:t>2021-11-05</a:t>
+              <a:t>2022-02-10</a:t>
             </a:fld>
             <a:endParaRPr lang="ko-KR" altLang="en-US"/>
           </a:p>
@@ -3421,13 +3387,6 @@
   <p:clrMapOvr>
     <a:masterClrMapping/>
   </p:clrMapOvr>
-  <p:timing>
-    <p:tnLst>
-      <p:par>
-        <p:cTn id="1" dur="indefinite" restart="never" nodeType="tmRoot"/>
-      </p:par>
-    </p:tnLst>
-  </p:timing>
 </p:sldLayout>
 </file>
 
@@ -3479,10 +3438,9 @@
           <a:lstStyle/>
           <a:p>
             <a:r>
-              <a:rPr lang="ko-KR" altLang="en-US" smtClean="0"/>
+              <a:rPr lang="ko-KR" altLang="en-US"/>
               <a:t>마스터 제목 스타일 편집</a:t>
             </a:r>
-            <a:endParaRPr lang="ko-KR" altLang="en-US"/>
           </a:p>
         </p:txBody>
       </p:sp>
@@ -3513,38 +3471,37 @@
           <a:p>
             <a:pPr lvl="0"/>
             <a:r>
-              <a:rPr lang="ko-KR" altLang="en-US" smtClean="0"/>
+              <a:rPr lang="ko-KR" altLang="en-US"/>
               <a:t>마스터 텍스트 스타일을 편집합니다</a:t>
             </a:r>
           </a:p>
           <a:p>
             <a:pPr lvl="1"/>
             <a:r>
-              <a:rPr lang="ko-KR" altLang="en-US" smtClean="0"/>
+              <a:rPr lang="ko-KR" altLang="en-US"/>
               <a:t>둘째 수준</a:t>
             </a:r>
           </a:p>
           <a:p>
             <a:pPr lvl="2"/>
             <a:r>
-              <a:rPr lang="ko-KR" altLang="en-US" smtClean="0"/>
+              <a:rPr lang="ko-KR" altLang="en-US"/>
               <a:t>셋째 수준</a:t>
             </a:r>
           </a:p>
           <a:p>
             <a:pPr lvl="3"/>
             <a:r>
-              <a:rPr lang="ko-KR" altLang="en-US" smtClean="0"/>
+              <a:rPr lang="ko-KR" altLang="en-US"/>
               <a:t>넷째 수준</a:t>
             </a:r>
           </a:p>
           <a:p>
             <a:pPr lvl="4"/>
             <a:r>
-              <a:rPr lang="ko-KR" altLang="en-US" smtClean="0"/>
+              <a:rPr lang="ko-KR" altLang="en-US"/>
               <a:t>다섯째 수준</a:t>
             </a:r>
-            <a:endParaRPr lang="ko-KR" altLang="en-US"/>
           </a:p>
         </p:txBody>
       </p:sp>
@@ -3584,7 +3541,7 @@
             <a:fld id="{F5078468-8E36-4528-8629-5ECE6BEC95B9}" type="datetime1">
               <a:rPr lang="ko-KR" altLang="en-US" smtClean="0"/>
               <a:pPr/>
-              <a:t>2021-11-05</a:t>
+              <a:t>2022-02-10</a:t>
             </a:fld>
             <a:endParaRPr lang="ko-KR" altLang="en-US"/>
           </a:p>
@@ -3691,13 +3648,6 @@
     <p:sldLayoutId id="2147483658" r:id="rId11"/>
     <p:sldLayoutId id="2147483659" r:id="rId12"/>
   </p:sldLayoutIdLst>
-  <p:timing>
-    <p:tnLst>
-      <p:par>
-        <p:cTn id="1" dur="indefinite" restart="never" nodeType="tmRoot"/>
-      </p:par>
-    </p:tnLst>
-  </p:timing>
   <p:hf hdr="0" ftr="0" dt="0"/>
   <p:txStyles>
     <p:titleStyle>
@@ -4022,7 +3972,7 @@
           <a:lstStyle/>
           <a:p>
             <a:r>
-              <a:rPr lang="en-US" altLang="ko-KR" sz="2000" spc="-150" dirty="0" smtClean="0">
+              <a:rPr lang="en-US" altLang="ko-KR" sz="2000" spc="-150" dirty="0">
                 <a:solidFill>
                   <a:srgbClr val="0070C0"/>
                 </a:solidFill>
@@ -4032,7 +3982,7 @@
               <a:t>14</a:t>
             </a:r>
             <a:r>
-              <a:rPr lang="ko-KR" altLang="en-US" sz="2000" spc="-150" dirty="0" smtClean="0">
+              <a:rPr lang="ko-KR" altLang="en-US" sz="2000" spc="-150" dirty="0">
                 <a:solidFill>
                   <a:srgbClr val="0070C0"/>
                 </a:solidFill>
@@ -4042,7 +3992,7 @@
               <a:t>강</a:t>
             </a:r>
             <a:r>
-              <a:rPr lang="en-US" altLang="ko-KR" sz="2000" spc="-150" dirty="0" smtClean="0">
+              <a:rPr lang="en-US" altLang="ko-KR" sz="2000" spc="-150" dirty="0">
                 <a:solidFill>
                   <a:srgbClr val="0070C0"/>
                 </a:solidFill>
@@ -4052,7 +4002,7 @@
               <a:t>. </a:t>
             </a:r>
             <a:r>
-              <a:rPr lang="ko-KR" altLang="en-US" sz="2000" spc="-150" dirty="0" smtClean="0">
+              <a:rPr lang="ko-KR" altLang="en-US" sz="2000" spc="-150" dirty="0">
                 <a:solidFill>
                   <a:srgbClr val="0070C0"/>
                 </a:solidFill>
@@ -4061,13 +4011,6 @@
               </a:rPr>
               <a:t>세션</a:t>
             </a:r>
-            <a:endParaRPr lang="ko-KR" altLang="en-US" sz="2000" spc="-150" dirty="0">
-              <a:solidFill>
-                <a:srgbClr val="0070C0"/>
-              </a:solidFill>
-              <a:latin typeface="+mj-ea"/>
-              <a:ea typeface="+mj-ea"/>
-            </a:endParaRPr>
           </a:p>
         </p:txBody>
       </p:sp>
@@ -4098,48 +4041,6 @@
               <a:buChar char="-"/>
             </a:pPr>
             <a:r>
-              <a:rPr lang="ko-KR" altLang="en-US" sz="1200" dirty="0" smtClean="0">
-                <a:solidFill>
-                  <a:schemeClr val="tx1">
-                    <a:lumMod val="65000"/>
-                    <a:lumOff val="35000"/>
-                  </a:schemeClr>
-                </a:solidFill>
-                <a:latin typeface="+mn-ea"/>
-              </a:rPr>
-              <a:t>세션이란</a:t>
-            </a:r>
-            <a:r>
-              <a:rPr lang="en-US" altLang="ko-KR" sz="1200" dirty="0" smtClean="0">
-                <a:solidFill>
-                  <a:schemeClr val="tx1">
-                    <a:lumMod val="65000"/>
-                    <a:lumOff val="35000"/>
-                  </a:schemeClr>
-                </a:solidFill>
-                <a:latin typeface="+mn-ea"/>
-              </a:rPr>
-              <a:t>?</a:t>
-            </a:r>
-          </a:p>
-          <a:p>
-            <a:pPr marL="171450" indent="-171450">
-              <a:buFontTx/>
-              <a:buChar char="-"/>
-            </a:pPr>
-            <a:r>
-              <a:rPr lang="ko-KR" altLang="en-US" sz="1200" dirty="0" smtClean="0">
-                <a:solidFill>
-                  <a:schemeClr val="tx1">
-                    <a:lumMod val="65000"/>
-                    <a:lumOff val="35000"/>
-                  </a:schemeClr>
-                </a:solidFill>
-                <a:latin typeface="+mn-ea"/>
-              </a:rPr>
-              <a:t>세션 </a:t>
-            </a:r>
-            <a:r>
               <a:rPr lang="ko-KR" altLang="en-US" sz="1200" dirty="0">
                 <a:solidFill>
                   <a:schemeClr val="tx1">
@@ -4149,9 +4050,39 @@
                 </a:solidFill>
                 <a:latin typeface="+mn-ea"/>
               </a:rPr>
-              <a:t>문법</a:t>
-            </a:r>
-            <a:endParaRPr lang="en-US" altLang="ko-KR" sz="1200" dirty="0" smtClean="0">
+              <a:t>세션이란</a:t>
+            </a:r>
+            <a:r>
+              <a:rPr lang="en-US" altLang="ko-KR" sz="1200" dirty="0">
+                <a:solidFill>
+                  <a:schemeClr val="tx1">
+                    <a:lumMod val="65000"/>
+                    <a:lumOff val="35000"/>
+                  </a:schemeClr>
+                </a:solidFill>
+                <a:latin typeface="+mn-ea"/>
+              </a:rPr>
+              <a:t>?</a:t>
+            </a:r>
+          </a:p>
+          <a:p>
+            <a:pPr marL="171450" indent="-171450">
+              <a:buFontTx/>
+              <a:buChar char="-"/>
+            </a:pPr>
+            <a:r>
+              <a:rPr lang="ko-KR" altLang="en-US" sz="1200" dirty="0">
+                <a:solidFill>
+                  <a:schemeClr val="tx1">
+                    <a:lumMod val="65000"/>
+                    <a:lumOff val="35000"/>
+                  </a:schemeClr>
+                </a:solidFill>
+                <a:latin typeface="+mn-ea"/>
+              </a:rPr>
+              <a:t>세션 문법</a:t>
+            </a:r>
+            <a:endParaRPr lang="en-US" altLang="ko-KR" sz="1200" dirty="0">
               <a:solidFill>
                 <a:schemeClr val="tx1">
                   <a:lumMod val="65000"/>
@@ -4173,13 +4104,6 @@
   <p:clrMapOvr>
     <a:masterClrMapping/>
   </p:clrMapOvr>
-  <p:timing>
-    <p:tnLst>
-      <p:par>
-        <p:cTn id="1" dur="indefinite" restart="never" nodeType="tmRoot"/>
-      </p:par>
-    </p:tnLst>
-  </p:timing>
 </p:sld>
 </file>
 
@@ -4208,7 +4132,7 @@
         </p:nvSpPr>
         <p:spPr>
           <a:xfrm>
-            <a:off x="677008" y="760205"/>
+            <a:off x="677008" y="778352"/>
             <a:ext cx="10676792" cy="338554"/>
           </a:xfrm>
           <a:prstGeom prst="rect">
@@ -4223,7 +4147,7 @@
           <a:lstStyle/>
           <a:p>
             <a:r>
-              <a:rPr lang="en-US" altLang="ko-KR" sz="1600" b="1" kern="1200" dirty="0" smtClean="0">
+              <a:rPr lang="en-US" altLang="ko-KR" sz="1600" b="1" kern="1200" dirty="0">
                 <a:solidFill>
                   <a:schemeClr val="tx1"/>
                 </a:solidFill>
@@ -4234,7 +4158,7 @@
               <a:t>14-1.</a:t>
             </a:r>
             <a:r>
-              <a:rPr lang="en-US" altLang="ko-KR" sz="1600" b="1" kern="1200" baseline="0" dirty="0" smtClean="0">
+              <a:rPr lang="en-US" altLang="ko-KR" sz="1600" b="1" kern="1200" baseline="0" dirty="0">
                 <a:solidFill>
                   <a:schemeClr val="tx1"/>
                 </a:solidFill>
@@ -4245,7 +4169,7 @@
               <a:t> </a:t>
             </a:r>
             <a:r>
-              <a:rPr lang="ko-KR" altLang="en-US" sz="1600" b="1" dirty="0" smtClean="0">
+              <a:rPr lang="ko-KR" altLang="en-US" sz="1600" b="1" dirty="0">
                 <a:latin typeface="+mn-ea"/>
               </a:rPr>
               <a:t>세션이란</a:t>
@@ -4254,7 +4178,19 @@
               <a:rPr lang="en-US" altLang="ko-KR" sz="1600" b="1" dirty="0">
                 <a:latin typeface="+mn-ea"/>
               </a:rPr>
-              <a:t>?</a:t>
+              <a:t>?(</a:t>
+            </a:r>
+            <a:r>
+              <a:rPr lang="ko-KR" altLang="en-US" sz="1600" b="1" dirty="0">
+                <a:latin typeface="+mn-ea"/>
+              </a:rPr>
+              <a:t>서버에 접속해서 브라우저를 끌 때 까지의 기간</a:t>
+            </a:r>
+            <a:r>
+              <a:rPr lang="en-US" altLang="ko-KR" sz="1600" b="1" dirty="0">
+                <a:latin typeface="+mn-ea"/>
+              </a:rPr>
+              <a:t>)</a:t>
             </a:r>
             <a:endParaRPr lang="ko-KR" altLang="en-US" sz="1600" b="1" dirty="0">
               <a:latin typeface="+mn-ea"/>
@@ -4348,25 +4284,25 @@
           <a:lstStyle/>
           <a:p>
             <a:r>
-              <a:rPr lang="ko-KR" altLang="en-US" sz="1100" dirty="0" smtClean="0">
+              <a:rPr lang="ko-KR" altLang="en-US" sz="1100" dirty="0">
                 <a:latin typeface="+mn-ea"/>
               </a:rPr>
               <a:t>앞에서 </a:t>
             </a:r>
             <a:r>
-              <a:rPr lang="ko-KR" altLang="en-US" sz="1100" dirty="0" err="1" smtClean="0">
+              <a:rPr lang="ko-KR" altLang="en-US" sz="1100" dirty="0" err="1">
                 <a:latin typeface="+mn-ea"/>
               </a:rPr>
               <a:t>웹브라우저와의</a:t>
             </a:r>
             <a:r>
-              <a:rPr lang="ko-KR" altLang="en-US" sz="1100" dirty="0" smtClean="0">
+              <a:rPr lang="ko-KR" altLang="en-US" sz="1100" dirty="0">
                 <a:latin typeface="+mn-ea"/>
               </a:rPr>
               <a:t> 관계를 유지하는 수단으로 쿠키를 살펴봤습니다</a:t>
             </a:r>
             <a:r>
-              <a:rPr lang="en-US" altLang="ko-KR" sz="1100" dirty="0" smtClean="0">
+              <a:rPr lang="en-US" altLang="ko-KR" sz="1100" dirty="0">
                 <a:latin typeface="+mn-ea"/>
               </a:rPr>
               <a:t>.</a:t>
@@ -4374,13 +4310,13 @@
           </a:p>
           <a:p>
             <a:r>
-              <a:rPr lang="ko-KR" altLang="en-US" sz="1100" dirty="0" smtClean="0">
+              <a:rPr lang="ko-KR" altLang="en-US" sz="1100" dirty="0">
                 <a:latin typeface="+mn-ea"/>
               </a:rPr>
               <a:t>세션도 쿠키와 마찬가지로 서버와의 관계를 유지하기 위한 수단 입니다</a:t>
             </a:r>
             <a:r>
-              <a:rPr lang="en-US" altLang="ko-KR" sz="1100" dirty="0" smtClean="0">
+              <a:rPr lang="en-US" altLang="ko-KR" sz="1100" dirty="0">
                 <a:latin typeface="+mn-ea"/>
               </a:rPr>
               <a:t>.</a:t>
@@ -4388,37 +4324,37 @@
           </a:p>
           <a:p>
             <a:r>
-              <a:rPr lang="ko-KR" altLang="en-US" sz="1100" dirty="0" smtClean="0">
+              <a:rPr lang="ko-KR" altLang="en-US" sz="1100" dirty="0">
                 <a:latin typeface="+mn-ea"/>
               </a:rPr>
               <a:t>단</a:t>
             </a:r>
             <a:r>
-              <a:rPr lang="en-US" altLang="ko-KR" sz="1100" dirty="0" smtClean="0">
+              <a:rPr lang="en-US" altLang="ko-KR" sz="1100" dirty="0">
                 <a:latin typeface="+mn-ea"/>
               </a:rPr>
               <a:t>, </a:t>
             </a:r>
             <a:r>
-              <a:rPr lang="ko-KR" altLang="en-US" sz="1100" dirty="0" smtClean="0">
+              <a:rPr lang="ko-KR" altLang="en-US" sz="1100" dirty="0">
                 <a:latin typeface="+mn-ea"/>
               </a:rPr>
               <a:t>쿠키와 달리 클라이언트의 특정 위치에 저장되는 것이 아니라</a:t>
             </a:r>
             <a:r>
-              <a:rPr lang="en-US" altLang="ko-KR" sz="1100" dirty="0" smtClean="0">
+              <a:rPr lang="en-US" altLang="ko-KR" sz="1100" dirty="0">
                 <a:latin typeface="+mn-ea"/>
               </a:rPr>
               <a:t>, </a:t>
             </a:r>
             <a:r>
-              <a:rPr lang="ko-KR" altLang="en-US" sz="1100" dirty="0" smtClean="0">
+              <a:rPr lang="ko-KR" altLang="en-US" sz="1100" dirty="0">
                 <a:latin typeface="+mn-ea"/>
               </a:rPr>
               <a:t>서버상에 객체로 존재 합니다</a:t>
             </a:r>
             <a:r>
-              <a:rPr lang="en-US" altLang="ko-KR" sz="1100" dirty="0" smtClean="0">
+              <a:rPr lang="en-US" altLang="ko-KR" sz="1100" dirty="0">
                 <a:latin typeface="+mn-ea"/>
               </a:rPr>
               <a:t>.</a:t>
@@ -4426,25 +4362,25 @@
           </a:p>
           <a:p>
             <a:r>
-              <a:rPr lang="ko-KR" altLang="en-US" sz="1100" dirty="0" smtClean="0">
+              <a:rPr lang="ko-KR" altLang="en-US" sz="1100" dirty="0">
                 <a:latin typeface="+mn-ea"/>
               </a:rPr>
               <a:t>따라서 세션은 서버에서만 접근이 가능하여 보안이 좋고</a:t>
             </a:r>
             <a:r>
-              <a:rPr lang="en-US" altLang="ko-KR" sz="1100" dirty="0" smtClean="0">
+              <a:rPr lang="en-US" altLang="ko-KR" sz="1100" dirty="0">
                 <a:latin typeface="+mn-ea"/>
               </a:rPr>
               <a:t>, </a:t>
             </a:r>
             <a:r>
-              <a:rPr lang="ko-KR" altLang="en-US" sz="1100" dirty="0" smtClean="0">
+              <a:rPr lang="ko-KR" altLang="en-US" sz="1100" dirty="0">
                 <a:latin typeface="+mn-ea"/>
               </a:rPr>
               <a:t>저장할 수 있는 데이터에 한계가 없습니다</a:t>
             </a:r>
             <a:r>
-              <a:rPr lang="en-US" altLang="ko-KR" sz="1100" dirty="0" smtClean="0">
+              <a:rPr lang="en-US" altLang="ko-KR" sz="1100" dirty="0">
                 <a:latin typeface="+mn-ea"/>
               </a:rPr>
               <a:t>.</a:t>
@@ -4475,7 +4411,7 @@
           <a:lstStyle/>
           <a:p>
             <a:r>
-              <a:rPr lang="en-US" altLang="ko-KR" sz="1600" b="1" kern="1200" dirty="0" smtClean="0">
+              <a:rPr lang="en-US" altLang="ko-KR" sz="1600" b="1" kern="1200" dirty="0">
                 <a:solidFill>
                   <a:schemeClr val="tx1"/>
                 </a:solidFill>
@@ -4486,7 +4422,7 @@
               <a:t>14-2.</a:t>
             </a:r>
             <a:r>
-              <a:rPr lang="en-US" altLang="ko-KR" sz="1600" b="1" kern="1200" baseline="0" dirty="0" smtClean="0">
+              <a:rPr lang="en-US" altLang="ko-KR" sz="1600" b="1" kern="1200" baseline="0" dirty="0">
                 <a:solidFill>
                   <a:schemeClr val="tx1"/>
                 </a:solidFill>
@@ -4497,7 +4433,7 @@
               <a:t> </a:t>
             </a:r>
             <a:r>
-              <a:rPr lang="ko-KR" altLang="en-US" sz="1600" b="1" dirty="0" smtClean="0">
+              <a:rPr lang="ko-KR" altLang="en-US" sz="1600" b="1" dirty="0">
                 <a:latin typeface="+mn-ea"/>
               </a:rPr>
               <a:t>세션 문법</a:t>
@@ -4570,7 +4506,7 @@
           <a:lstStyle/>
           <a:p>
             <a:r>
-              <a:rPr lang="ko-KR" altLang="en-US" sz="1100" dirty="0" smtClean="0">
+              <a:rPr lang="ko-KR" altLang="en-US" sz="1100" dirty="0">
                 <a:latin typeface="+mn-ea"/>
               </a:rPr>
               <a:t>세션은 클라이언트의 요청이 발생하면</a:t>
@@ -4582,44 +4518,41 @@
               <a:t> </a:t>
             </a:r>
             <a:r>
-              <a:rPr lang="ko-KR" altLang="en-US" sz="1100" dirty="0" smtClean="0">
+              <a:rPr lang="ko-KR" altLang="en-US" sz="1100" dirty="0">
                 <a:latin typeface="+mn-ea"/>
               </a:rPr>
               <a:t>자동생성 됩니다</a:t>
             </a:r>
             <a:r>
-              <a:rPr lang="en-US" altLang="ko-KR" sz="1100" dirty="0" smtClean="0">
+              <a:rPr lang="en-US" altLang="ko-KR" sz="1100" dirty="0">
                 <a:latin typeface="+mn-ea"/>
               </a:rPr>
               <a:t>. </a:t>
             </a:r>
             <a:r>
-              <a:rPr lang="ko-KR" altLang="en-US" sz="1100" dirty="0" smtClean="0">
+              <a:rPr lang="ko-KR" altLang="en-US" sz="1100" dirty="0">
                 <a:latin typeface="+mn-ea"/>
               </a:rPr>
               <a:t>그리고 </a:t>
             </a:r>
             <a:r>
-              <a:rPr lang="en-US" altLang="ko-KR" sz="1100" dirty="0" smtClean="0">
+              <a:rPr lang="en-US" altLang="ko-KR" sz="1100" dirty="0">
                 <a:latin typeface="+mn-ea"/>
               </a:rPr>
               <a:t>session</a:t>
             </a:r>
             <a:r>
-              <a:rPr lang="ko-KR" altLang="en-US" sz="1100" dirty="0" smtClean="0">
+              <a:rPr lang="ko-KR" altLang="en-US" sz="1100" dirty="0">
                 <a:latin typeface="+mn-ea"/>
               </a:rPr>
               <a:t>이라는 내부 객체를 지원하여 세션의 속성을 설정 할 수 있습니다</a:t>
             </a:r>
             <a:r>
-              <a:rPr lang="en-US" altLang="ko-KR" sz="1100" dirty="0" smtClean="0">
+              <a:rPr lang="en-US" altLang="ko-KR" sz="1100" dirty="0">
                 <a:latin typeface="+mn-ea"/>
               </a:rPr>
               <a:t>.</a:t>
             </a:r>
-            <a:endParaRPr lang="en-US" altLang="ko-KR" sz="1100" dirty="0">
-              <a:latin typeface="+mn-ea"/>
-            </a:endParaRPr>
           </a:p>
         </p:txBody>
       </p:sp>
@@ -4661,7 +4594,7 @@
             <a:p>
               <a:pPr algn="ctr"/>
               <a:r>
-                <a:rPr lang="ko-KR" altLang="en-US" sz="1100" dirty="0" err="1" smtClean="0">
+                <a:rPr lang="ko-KR" altLang="en-US" sz="1100" dirty="0" err="1">
                   <a:latin typeface="+mn-ea"/>
                 </a:rPr>
                 <a:t>웹브라우저</a:t>
@@ -4709,10 +4642,9 @@
             <a:p>
               <a:pPr algn="ctr"/>
               <a:r>
-                <a:rPr lang="ko-KR" altLang="en-US" dirty="0" smtClean="0"/>
+                <a:rPr lang="ko-KR" altLang="en-US" dirty="0"/>
                 <a:t>클라이언트 요청</a:t>
               </a:r>
-              <a:endParaRPr lang="ko-KR" altLang="en-US" dirty="0"/>
             </a:p>
           </p:txBody>
         </p:sp>
@@ -4753,29 +4685,28 @@
             <a:p>
               <a:pPr algn="ctr"/>
               <a:r>
-                <a:rPr lang="en-US" altLang="ko-KR" smtClean="0"/>
+                <a:rPr lang="en-US" altLang="ko-KR"/>
                 <a:t>Session</a:t>
               </a:r>
               <a:r>
-                <a:rPr lang="ko-KR" altLang="en-US" smtClean="0"/>
+                <a:rPr lang="ko-KR" altLang="en-US"/>
                 <a:t>객체</a:t>
               </a:r>
               <a:r>
-                <a:rPr lang="en-US" altLang="ko-KR" smtClean="0"/>
+                <a:rPr lang="en-US" altLang="ko-KR"/>
                 <a:t> </a:t>
               </a:r>
             </a:p>
             <a:p>
               <a:pPr algn="ctr"/>
               <a:r>
-                <a:rPr lang="ko-KR" altLang="en-US" smtClean="0"/>
+                <a:rPr lang="ko-KR" altLang="en-US"/>
                 <a:t>자동 </a:t>
               </a:r>
               <a:r>
-                <a:rPr lang="ko-KR" altLang="en-US" dirty="0" smtClean="0"/>
+                <a:rPr lang="ko-KR" altLang="en-US" dirty="0"/>
                 <a:t>생성</a:t>
               </a:r>
-              <a:endParaRPr lang="ko-KR" altLang="en-US" dirty="0"/>
             </a:p>
           </p:txBody>
         </p:sp>
@@ -4816,14 +4747,13 @@
             <a:p>
               <a:pPr algn="ctr"/>
               <a:r>
-                <a:rPr lang="en-US" altLang="ko-KR" dirty="0" smtClean="0"/>
+                <a:rPr lang="en-US" altLang="ko-KR" dirty="0"/>
                 <a:t>Session </a:t>
               </a:r>
               <a:r>
-                <a:rPr lang="ko-KR" altLang="en-US" dirty="0" smtClean="0"/>
+                <a:rPr lang="ko-KR" altLang="en-US" dirty="0"/>
                 <a:t>속성 설정</a:t>
               </a:r>
-              <a:endParaRPr lang="ko-KR" altLang="en-US" dirty="0"/>
             </a:p>
           </p:txBody>
         </p:sp>
@@ -4920,25 +4850,25 @@
             <a:p>
               <a:pPr algn="ctr"/>
               <a:r>
-                <a:rPr lang="en-US" altLang="ko-KR" sz="1100" dirty="0" smtClean="0">
+                <a:rPr lang="en-US" altLang="ko-KR" sz="1100" dirty="0">
                   <a:latin typeface="+mn-ea"/>
                 </a:rPr>
                 <a:t>session </a:t>
               </a:r>
               <a:r>
-                <a:rPr lang="ko-KR" altLang="en-US" sz="1100" dirty="0" smtClean="0">
+                <a:rPr lang="ko-KR" altLang="en-US" sz="1100" dirty="0">
                   <a:latin typeface="+mn-ea"/>
                 </a:rPr>
                 <a:t>내부 객체의 </a:t>
               </a:r>
               <a:r>
-                <a:rPr lang="ko-KR" altLang="en-US" sz="1100" dirty="0" err="1" smtClean="0">
+                <a:rPr lang="ko-KR" altLang="en-US" sz="1100" dirty="0" err="1">
                   <a:latin typeface="+mn-ea"/>
                 </a:rPr>
                 <a:t>메소드</a:t>
               </a:r>
               <a:r>
-                <a:rPr lang="ko-KR" altLang="en-US" sz="1100" dirty="0" smtClean="0">
+                <a:rPr lang="ko-KR" altLang="en-US" sz="1100" dirty="0">
                   <a:latin typeface="+mn-ea"/>
                 </a:rPr>
                 <a:t> 이용</a:t>
@@ -4973,48 +4903,39 @@
           <a:lstStyle/>
           <a:p>
             <a:r>
-              <a:rPr lang="ko-KR" altLang="en-US" smtClean="0"/>
+              <a:rPr lang="ko-KR" altLang="en-US"/>
               <a:t>내부객체</a:t>
             </a:r>
             <a:r>
-              <a:rPr lang="en-US" altLang="ko-KR" smtClean="0"/>
+              <a:rPr lang="en-US" altLang="ko-KR"/>
               <a:t>session</a:t>
             </a:r>
             <a:r>
-              <a:rPr lang="ko-KR" altLang="en-US" smtClean="0"/>
+              <a:rPr lang="ko-KR" altLang="en-US"/>
               <a:t>은 </a:t>
             </a:r>
-            <a:r>
-              <a:rPr lang="en-US" altLang="ko-KR" smtClean="0"/>
-              <a:t/>
-            </a:r>
             <a:br>
-              <a:rPr lang="en-US" altLang="ko-KR" smtClean="0"/>
+              <a:rPr lang="en-US" altLang="ko-KR"/>
             </a:br>
             <a:r>
-              <a:rPr lang="en-US" altLang="ko-KR" smtClean="0"/>
+              <a:rPr lang="en-US" altLang="ko-KR"/>
               <a:t>jsp</a:t>
             </a:r>
             <a:r>
-              <a:rPr lang="ko-KR" altLang="en-US" smtClean="0"/>
+              <a:rPr lang="ko-KR" altLang="en-US"/>
               <a:t>로 요청시 서블렛으로 변환시</a:t>
             </a:r>
-            <a:r>
-              <a:rPr lang="en-US" altLang="ko-KR" smtClean="0"/>
-              <a:t/>
-            </a:r>
             <a:br>
-              <a:rPr lang="en-US" altLang="ko-KR" smtClean="0"/>
+              <a:rPr lang="en-US" altLang="ko-KR"/>
             </a:br>
             <a:r>
-              <a:rPr lang="en-US" altLang="ko-KR" smtClean="0"/>
+              <a:rPr lang="en-US" altLang="ko-KR"/>
               <a:t>jsp</a:t>
             </a:r>
             <a:r>
-              <a:rPr lang="ko-KR" altLang="en-US" smtClean="0"/>
+              <a:rPr lang="ko-KR" altLang="en-US"/>
               <a:t>콘테이너가 자동 생성</a:t>
             </a:r>
-            <a:endParaRPr lang="ko-KR" altLang="en-US"/>
           </a:p>
         </p:txBody>
       </p:sp>
@@ -5028,13 +4949,6 @@
   <p:clrMapOvr>
     <a:masterClrMapping/>
   </p:clrMapOvr>
-  <p:timing>
-    <p:tnLst>
-      <p:par>
-        <p:cTn id="1" dur="indefinite" restart="never" nodeType="tmRoot"/>
-      </p:par>
-    </p:tnLst>
-  </p:timing>
 </p:sld>
 </file>
 
@@ -5078,7 +4992,7 @@
           <a:lstStyle/>
           <a:p>
             <a:r>
-              <a:rPr lang="en-US" altLang="ko-KR" sz="1600" b="1" kern="1200" dirty="0" smtClean="0">
+              <a:rPr lang="en-US" altLang="ko-KR" sz="1600" b="1" kern="1200" dirty="0">
                 <a:solidFill>
                   <a:schemeClr val="tx1"/>
                 </a:solidFill>
@@ -5089,7 +5003,7 @@
               <a:t>14-2.</a:t>
             </a:r>
             <a:r>
-              <a:rPr lang="en-US" altLang="ko-KR" sz="1600" b="1" kern="1200" baseline="0" dirty="0" smtClean="0">
+              <a:rPr lang="en-US" altLang="ko-KR" sz="1600" b="1" kern="1200" baseline="0" dirty="0">
                 <a:solidFill>
                   <a:schemeClr val="tx1"/>
                 </a:solidFill>
@@ -5100,16 +5014,10 @@
               <a:t> </a:t>
             </a:r>
             <a:r>
-              <a:rPr lang="ko-KR" altLang="en-US" sz="1600" b="1" dirty="0" smtClean="0">
-                <a:latin typeface="+mn-ea"/>
-              </a:rPr>
-              <a:t>세션 </a:t>
-            </a:r>
-            <a:r>
               <a:rPr lang="ko-KR" altLang="en-US" sz="1600" b="1" dirty="0">
                 <a:latin typeface="+mn-ea"/>
               </a:rPr>
-              <a:t>문법</a:t>
+              <a:t>세션 문법</a:t>
             </a:r>
           </a:p>
           <a:p>
@@ -5205,18 +5113,18 @@
           <a:lstStyle/>
           <a:p>
             <a:r>
-              <a:rPr lang="ko-KR" altLang="en-US" sz="1100" dirty="0" smtClean="0">
+              <a:rPr lang="ko-KR" altLang="en-US" sz="1100" dirty="0">
                 <a:latin typeface="+mn-ea"/>
               </a:rPr>
               <a:t>세션 관련 </a:t>
             </a:r>
             <a:r>
-              <a:rPr lang="ko-KR" altLang="en-US" sz="1100" dirty="0" err="1" smtClean="0">
+              <a:rPr lang="ko-KR" altLang="en-US" sz="1100" dirty="0" err="1">
                 <a:latin typeface="+mn-ea"/>
               </a:rPr>
               <a:t>메소드</a:t>
             </a:r>
-            <a:endParaRPr lang="en-US" altLang="ko-KR" sz="1100" dirty="0" smtClean="0">
+            <a:endParaRPr lang="en-US" altLang="ko-KR" sz="1100" dirty="0">
               <a:latin typeface="+mn-ea"/>
             </a:endParaRPr>
           </a:p>
@@ -5283,25 +5191,25 @@
           <a:lstStyle/>
           <a:p>
             <a:r>
-              <a:rPr lang="en-US" altLang="ko-KR" sz="1100" dirty="0" err="1" smtClean="0">
+              <a:rPr lang="en-US" altLang="ko-KR" sz="1100" dirty="0" err="1">
                 <a:latin typeface="+mn-ea"/>
               </a:rPr>
               <a:t>setAttribute</a:t>
             </a:r>
             <a:r>
-              <a:rPr lang="en-US" altLang="ko-KR" sz="1100" dirty="0" smtClean="0">
+              <a:rPr lang="en-US" altLang="ko-KR" sz="1100" dirty="0">
                 <a:latin typeface="+mn-ea"/>
               </a:rPr>
               <a:t>() : </a:t>
             </a:r>
             <a:r>
-              <a:rPr lang="ko-KR" altLang="en-US" sz="1100" dirty="0" smtClean="0">
+              <a:rPr lang="ko-KR" altLang="en-US" sz="1100" dirty="0">
                 <a:latin typeface="+mn-ea"/>
               </a:rPr>
               <a:t>세션에 데이터를 저장 합니다</a:t>
             </a:r>
             <a:r>
-              <a:rPr lang="en-US" altLang="ko-KR" sz="1100" dirty="0" smtClean="0">
+              <a:rPr lang="en-US" altLang="ko-KR" sz="1100" dirty="0">
                 <a:latin typeface="+mn-ea"/>
               </a:rPr>
               <a:t>.</a:t>
@@ -5309,25 +5217,25 @@
           </a:p>
           <a:p>
             <a:r>
-              <a:rPr lang="en-US" altLang="ko-KR" sz="1100" dirty="0" err="1" smtClean="0">
+              <a:rPr lang="en-US" altLang="ko-KR" sz="1100" dirty="0" err="1">
                 <a:latin typeface="+mn-ea"/>
               </a:rPr>
               <a:t>getAttribute</a:t>
             </a:r>
             <a:r>
-              <a:rPr lang="en-US" altLang="ko-KR" sz="1100" dirty="0" smtClean="0">
+              <a:rPr lang="en-US" altLang="ko-KR" sz="1100" dirty="0">
                 <a:latin typeface="+mn-ea"/>
               </a:rPr>
               <a:t>() : </a:t>
             </a:r>
             <a:r>
-              <a:rPr lang="ko-KR" altLang="en-US" sz="1100" dirty="0" smtClean="0">
+              <a:rPr lang="ko-KR" altLang="en-US" sz="1100" dirty="0">
                 <a:latin typeface="+mn-ea"/>
               </a:rPr>
               <a:t>세션에서 데이터를 얻습니다</a:t>
             </a:r>
             <a:r>
-              <a:rPr lang="en-US" altLang="ko-KR" sz="1100" dirty="0" smtClean="0">
+              <a:rPr lang="en-US" altLang="ko-KR" sz="1100" dirty="0">
                 <a:latin typeface="+mn-ea"/>
               </a:rPr>
               <a:t>.</a:t>
@@ -5335,61 +5243,123 @@
           </a:p>
           <a:p>
             <a:r>
-              <a:rPr lang="en-US" altLang="ko-KR" sz="1100" dirty="0" err="1" smtClean="0">
+              <a:rPr lang="en-US" altLang="ko-KR" sz="1100" dirty="0" err="1">
                 <a:latin typeface="+mn-ea"/>
               </a:rPr>
               <a:t>getAttributeNames</a:t>
             </a:r>
             <a:r>
-              <a:rPr lang="en-US" altLang="ko-KR" sz="1100" dirty="0" smtClean="0">
+              <a:rPr lang="en-US" altLang="ko-KR" sz="1100" dirty="0">
                 <a:latin typeface="+mn-ea"/>
               </a:rPr>
               <a:t>() : </a:t>
             </a:r>
             <a:r>
-              <a:rPr lang="ko-KR" altLang="en-US" sz="1100" dirty="0" smtClean="0">
+              <a:rPr lang="ko-KR" altLang="en-US" sz="1100" dirty="0">
                 <a:latin typeface="+mn-ea"/>
               </a:rPr>
               <a:t>세션에 저장되어 있는 모든 데이터의 이름</a:t>
             </a:r>
             <a:r>
-              <a:rPr lang="en-US" altLang="ko-KR" sz="1100" dirty="0" smtClean="0">
+              <a:rPr lang="en-US" altLang="ko-KR" sz="1100" dirty="0">
                 <a:latin typeface="+mn-ea"/>
               </a:rPr>
               <a:t>(</a:t>
             </a:r>
             <a:r>
-              <a:rPr lang="ko-KR" altLang="en-US" sz="1100" dirty="0" err="1" smtClean="0">
+              <a:rPr lang="ko-KR" altLang="en-US" sz="1100" dirty="0" err="1">
                 <a:latin typeface="+mn-ea"/>
               </a:rPr>
               <a:t>유니크한</a:t>
             </a:r>
             <a:r>
-              <a:rPr lang="ko-KR" altLang="en-US" sz="1100" dirty="0" smtClean="0">
+              <a:rPr lang="ko-KR" altLang="en-US" sz="1100" dirty="0">
                 <a:latin typeface="+mn-ea"/>
               </a:rPr>
               <a:t> </a:t>
             </a:r>
             <a:r>
-              <a:rPr lang="ko-KR" altLang="en-US" sz="1100" dirty="0" err="1" smtClean="0">
+              <a:rPr lang="ko-KR" altLang="en-US" sz="1100" dirty="0" err="1">
                 <a:latin typeface="+mn-ea"/>
               </a:rPr>
               <a:t>키값</a:t>
             </a:r>
             <a:r>
-              <a:rPr lang="en-US" altLang="ko-KR" sz="1100" dirty="0" smtClean="0">
+              <a:rPr lang="en-US" altLang="ko-KR" sz="1100" dirty="0">
                 <a:latin typeface="+mn-ea"/>
               </a:rPr>
               <a:t>)</a:t>
             </a:r>
             <a:r>
-              <a:rPr lang="ko-KR" altLang="en-US" sz="1100" dirty="0" smtClean="0">
+              <a:rPr lang="ko-KR" altLang="en-US" sz="1100" dirty="0">
                 <a:latin typeface="+mn-ea"/>
               </a:rPr>
               <a:t>을 얻습니다</a:t>
             </a:r>
             <a:r>
-              <a:rPr lang="en-US" altLang="ko-KR" sz="1100" dirty="0" smtClean="0">
+              <a:rPr lang="en-US" altLang="ko-KR" sz="1100" dirty="0">
+                <a:latin typeface="+mn-ea"/>
+              </a:rPr>
+              <a:t>.(</a:t>
+            </a:r>
+            <a:r>
+              <a:rPr lang="ko-KR" altLang="en-US" sz="1100" dirty="0">
+                <a:latin typeface="+mn-ea"/>
+              </a:rPr>
+              <a:t>반복가능한 </a:t>
+            </a:r>
+            <a:r>
+              <a:rPr lang="en-US" altLang="ko-KR" sz="1100">
+                <a:latin typeface="+mn-ea"/>
+              </a:rPr>
+              <a:t>Enumeration</a:t>
+            </a:r>
+            <a:r>
+              <a:rPr lang="ko-KR" altLang="en-US" sz="1100" dirty="0">
+                <a:latin typeface="+mn-ea"/>
+              </a:rPr>
+              <a:t>객체로 반환</a:t>
+            </a:r>
+            <a:r>
+              <a:rPr lang="en-US" altLang="ko-KR" sz="1100" dirty="0">
+                <a:latin typeface="+mn-ea"/>
+              </a:rPr>
+              <a:t>)</a:t>
+            </a:r>
+          </a:p>
+          <a:p>
+            <a:r>
+              <a:rPr lang="en-US" altLang="ko-KR" sz="1100" dirty="0" err="1">
+                <a:latin typeface="+mn-ea"/>
+              </a:rPr>
+              <a:t>getId</a:t>
+            </a:r>
+            <a:r>
+              <a:rPr lang="en-US" altLang="ko-KR" sz="1100" dirty="0">
+                <a:latin typeface="+mn-ea"/>
+              </a:rPr>
+              <a:t>() : </a:t>
+            </a:r>
+            <a:r>
+              <a:rPr lang="ko-KR" altLang="en-US" sz="1100" dirty="0">
+                <a:latin typeface="+mn-ea"/>
+              </a:rPr>
+              <a:t>자동 생성된 세션의 </a:t>
+            </a:r>
+            <a:r>
+              <a:rPr lang="ko-KR" altLang="en-US" sz="1100" dirty="0" err="1">
+                <a:latin typeface="+mn-ea"/>
+              </a:rPr>
+              <a:t>유니크한</a:t>
+            </a:r>
+            <a:r>
+              <a:rPr lang="ko-KR" altLang="en-US" sz="1100" dirty="0">
+                <a:latin typeface="+mn-ea"/>
+              </a:rPr>
+              <a:t> 아이디를 얻습니다</a:t>
+            </a:r>
+            <a:r>
+              <a:rPr lang="en-US" altLang="ko-KR" sz="1100" dirty="0">
                 <a:latin typeface="+mn-ea"/>
               </a:rPr>
               <a:t>.</a:t>
@@ -5397,37 +5367,37 @@
           </a:p>
           <a:p>
             <a:r>
-              <a:rPr lang="en-US" altLang="ko-KR" sz="1100" dirty="0" err="1" smtClean="0">
-                <a:latin typeface="+mn-ea"/>
-              </a:rPr>
-              <a:t>getId</a:t>
-            </a:r>
-            <a:r>
-              <a:rPr lang="en-US" altLang="ko-KR" sz="1100" dirty="0" smtClean="0">
+              <a:rPr lang="en-US" altLang="ko-KR" sz="1100" dirty="0" err="1">
+                <a:latin typeface="+mn-ea"/>
+              </a:rPr>
+              <a:t>isNew</a:t>
+            </a:r>
+            <a:r>
+              <a:rPr lang="en-US" altLang="ko-KR" sz="1100" dirty="0">
                 <a:latin typeface="+mn-ea"/>
               </a:rPr>
               <a:t>() : </a:t>
             </a:r>
             <a:r>
-              <a:rPr lang="ko-KR" altLang="en-US" sz="1100" dirty="0" smtClean="0">
-                <a:latin typeface="+mn-ea"/>
-              </a:rPr>
-              <a:t>자동 생성된 세션의 </a:t>
-            </a:r>
-            <a:r>
-              <a:rPr lang="ko-KR" altLang="en-US" sz="1100" dirty="0" err="1" smtClean="0">
-                <a:latin typeface="+mn-ea"/>
-              </a:rPr>
-              <a:t>유니크한</a:t>
-            </a:r>
-            <a:r>
-              <a:rPr lang="ko-KR" altLang="en-US" sz="1100" dirty="0" smtClean="0">
-                <a:latin typeface="+mn-ea"/>
-              </a:rPr>
-              <a:t> 아이디를 얻습니다</a:t>
-            </a:r>
-            <a:r>
-              <a:rPr lang="en-US" altLang="ko-KR" sz="1100" dirty="0" smtClean="0">
+              <a:rPr lang="ko-KR" altLang="en-US" sz="1100" dirty="0">
+                <a:latin typeface="+mn-ea"/>
+              </a:rPr>
+              <a:t>세션이 최초 생성되었는지</a:t>
+            </a:r>
+            <a:r>
+              <a:rPr lang="en-US" altLang="ko-KR" sz="1100" dirty="0">
+                <a:latin typeface="+mn-ea"/>
+              </a:rPr>
+              <a:t>, </a:t>
+            </a:r>
+            <a:r>
+              <a:rPr lang="ko-KR" altLang="en-US" sz="1100" dirty="0">
+                <a:latin typeface="+mn-ea"/>
+              </a:rPr>
+              <a:t>이전에 생성된 세션인지를 구분 합니다</a:t>
+            </a:r>
+            <a:r>
+              <a:rPr lang="en-US" altLang="ko-KR" sz="1100" dirty="0">
                 <a:latin typeface="+mn-ea"/>
               </a:rPr>
               <a:t>.</a:t>
@@ -5435,37 +5405,49 @@
           </a:p>
           <a:p>
             <a:r>
-              <a:rPr lang="en-US" altLang="ko-KR" sz="1100" dirty="0" err="1" smtClean="0">
-                <a:latin typeface="+mn-ea"/>
-              </a:rPr>
-              <a:t>isNew</a:t>
-            </a:r>
-            <a:r>
-              <a:rPr lang="en-US" altLang="ko-KR" sz="1100" dirty="0" smtClean="0">
+              <a:rPr lang="en-US" altLang="ko-KR" sz="1100" dirty="0" err="1">
+                <a:latin typeface="+mn-ea"/>
+              </a:rPr>
+              <a:t>getMaxInactiveInterval</a:t>
+            </a:r>
+            <a:r>
+              <a:rPr lang="en-US" altLang="ko-KR" sz="1100" dirty="0">
                 <a:latin typeface="+mn-ea"/>
               </a:rPr>
               <a:t>() : </a:t>
             </a:r>
             <a:r>
-              <a:rPr lang="ko-KR" altLang="en-US" sz="1100" dirty="0" smtClean="0">
-                <a:latin typeface="+mn-ea"/>
-              </a:rPr>
-              <a:t>세션이 최초 생성되었는지</a:t>
-            </a:r>
-            <a:r>
-              <a:rPr lang="en-US" altLang="ko-KR" sz="1100" dirty="0" smtClean="0">
-                <a:latin typeface="+mn-ea"/>
-              </a:rPr>
-              <a:t>, </a:t>
-            </a:r>
-            <a:r>
-              <a:rPr lang="ko-KR" altLang="en-US" sz="1100" dirty="0" smtClean="0">
-                <a:latin typeface="+mn-ea"/>
-              </a:rPr>
-              <a:t>이전에 생성된 세션인지를 구분 합니다</a:t>
-            </a:r>
-            <a:r>
-              <a:rPr lang="en-US" altLang="ko-KR" sz="1100" dirty="0" smtClean="0">
+              <a:rPr lang="ko-KR" altLang="en-US" sz="1100" dirty="0">
+                <a:latin typeface="+mn-ea"/>
+              </a:rPr>
+              <a:t>세션의 유효시간을 얻습니다</a:t>
+            </a:r>
+            <a:r>
+              <a:rPr lang="en-US" altLang="ko-KR" sz="1100" dirty="0">
+                <a:latin typeface="+mn-ea"/>
+              </a:rPr>
+              <a:t>. </a:t>
+            </a:r>
+            <a:r>
+              <a:rPr lang="ko-KR" altLang="en-US" sz="1100" dirty="0">
+                <a:latin typeface="+mn-ea"/>
+              </a:rPr>
+              <a:t>가장 최근 </a:t>
+            </a:r>
+            <a:r>
+              <a:rPr lang="ko-KR" altLang="en-US" sz="1100" b="1" dirty="0">
+                <a:latin typeface="+mn-ea"/>
+              </a:rPr>
+              <a:t>요청시점을 기준으로 카운트 </a:t>
+            </a:r>
+            <a:r>
+              <a:rPr lang="ko-KR" altLang="en-US" sz="1100" dirty="0">
+                <a:latin typeface="+mn-ea"/>
+              </a:rPr>
+              <a:t>됩니다</a:t>
+            </a:r>
+            <a:r>
+              <a:rPr lang="en-US" altLang="ko-KR" sz="1100" dirty="0">
                 <a:latin typeface="+mn-ea"/>
               </a:rPr>
               <a:t>.</a:t>
@@ -5473,49 +5455,45 @@
           </a:p>
           <a:p>
             <a:r>
-              <a:rPr lang="en-US" altLang="ko-KR" sz="1100" dirty="0" err="1" smtClean="0">
-                <a:latin typeface="+mn-ea"/>
-              </a:rPr>
-              <a:t>getMaxInactiveInterval</a:t>
-            </a:r>
-            <a:r>
-              <a:rPr lang="en-US" altLang="ko-KR" sz="1100" dirty="0" smtClean="0">
+              <a:rPr lang="en-US" altLang="ko-KR" sz="1100" dirty="0">
+                <a:latin typeface="+mn-ea"/>
+              </a:rPr>
+              <a:t>(C:\javalec\apache-tomcat-7.0.57\apache-tomcat-7.0.57\conf\web.xml </a:t>
+            </a:r>
+            <a:r>
+              <a:rPr lang="ko-KR" altLang="en-US" sz="1100" dirty="0">
+                <a:latin typeface="+mn-ea"/>
+              </a:rPr>
+              <a:t>참조</a:t>
+            </a:r>
+            <a:r>
+              <a:rPr lang="en-US" altLang="ko-KR" sz="1100" dirty="0">
+                <a:latin typeface="+mn-ea"/>
+              </a:rPr>
+              <a:t>)</a:t>
+            </a:r>
+          </a:p>
+          <a:p>
+            <a:r>
+              <a:rPr lang="en-US" altLang="ko-KR" sz="1100" dirty="0" err="1">
+                <a:latin typeface="+mn-ea"/>
+              </a:rPr>
+              <a:t>removeAttribute</a:t>
+            </a:r>
+            <a:r>
+              <a:rPr lang="en-US" altLang="ko-KR" sz="1100" dirty="0">
                 <a:latin typeface="+mn-ea"/>
               </a:rPr>
               <a:t>() : </a:t>
             </a:r>
             <a:r>
-              <a:rPr lang="ko-KR" altLang="en-US" sz="1100" dirty="0" smtClean="0">
-                <a:latin typeface="+mn-ea"/>
-              </a:rPr>
-              <a:t>세션의 유효시간을 얻습니다</a:t>
-            </a:r>
-            <a:r>
-              <a:rPr lang="en-US" altLang="ko-KR" sz="1100" dirty="0" smtClean="0">
-                <a:latin typeface="+mn-ea"/>
-              </a:rPr>
-              <a:t>. </a:t>
-            </a:r>
-            <a:r>
-              <a:rPr lang="ko-KR" altLang="en-US" sz="1100" dirty="0" smtClean="0">
-                <a:latin typeface="+mn-ea"/>
-              </a:rPr>
-              <a:t>가장 최근 </a:t>
-            </a:r>
-            <a:r>
-              <a:rPr lang="ko-KR" altLang="en-US" sz="1100" b="1" dirty="0" smtClean="0">
-                <a:latin typeface="+mn-ea"/>
-              </a:rPr>
-              <a:t>요청시점을 기준으로 카운트 </a:t>
-            </a:r>
-            <a:r>
-              <a:rPr lang="ko-KR" altLang="en-US" sz="1100" dirty="0" smtClean="0">
-                <a:latin typeface="+mn-ea"/>
-              </a:rPr>
-              <a:t>됩니다</a:t>
-            </a:r>
-            <a:r>
-              <a:rPr lang="en-US" altLang="ko-KR" sz="1100" dirty="0" smtClean="0">
+              <a:rPr lang="ko-KR" altLang="en-US" sz="1100" dirty="0">
+                <a:latin typeface="+mn-ea"/>
+              </a:rPr>
+              <a:t>세션에서 특정 데이터 제거 합니다</a:t>
+            </a:r>
+            <a:r>
+              <a:rPr lang="en-US" altLang="ko-KR" sz="1100" dirty="0">
                 <a:latin typeface="+mn-ea"/>
               </a:rPr>
               <a:t>.</a:t>
@@ -5526,62 +5504,10 @@
               <a:rPr lang="en-US" altLang="ko-KR" sz="1100" dirty="0">
                 <a:latin typeface="+mn-ea"/>
               </a:rPr>
-              <a:t>(C:\</a:t>
-            </a:r>
-            <a:r>
-              <a:rPr lang="en-US" altLang="ko-KR" sz="1100" dirty="0" smtClean="0">
-                <a:latin typeface="+mn-ea"/>
-              </a:rPr>
-              <a:t>javalec\apache-tomcat-7.0.57\apache-tomcat-7.0.57\conf\web.xml </a:t>
-            </a:r>
-            <a:r>
-              <a:rPr lang="ko-KR" altLang="en-US" sz="1100" dirty="0" smtClean="0">
-                <a:latin typeface="+mn-ea"/>
-              </a:rPr>
-              <a:t>참조</a:t>
-            </a:r>
-            <a:r>
-              <a:rPr lang="en-US" altLang="ko-KR" sz="1100" dirty="0" smtClean="0">
-                <a:latin typeface="+mn-ea"/>
-              </a:rPr>
-              <a:t>)</a:t>
-            </a:r>
-          </a:p>
-          <a:p>
-            <a:r>
-              <a:rPr lang="en-US" altLang="ko-KR" sz="1100" dirty="0" err="1" smtClean="0">
-                <a:latin typeface="+mn-ea"/>
-              </a:rPr>
-              <a:t>removeAttribute</a:t>
-            </a:r>
-            <a:r>
-              <a:rPr lang="en-US" altLang="ko-KR" sz="1100" dirty="0" smtClean="0">
-                <a:latin typeface="+mn-ea"/>
-              </a:rPr>
-              <a:t>() : </a:t>
-            </a:r>
-            <a:r>
-              <a:rPr lang="ko-KR" altLang="en-US" sz="1100" dirty="0" smtClean="0">
-                <a:latin typeface="+mn-ea"/>
-              </a:rPr>
-              <a:t>세션에서 특정 데이터 제거 합니다</a:t>
-            </a:r>
-            <a:r>
-              <a:rPr lang="en-US" altLang="ko-KR" sz="1100" dirty="0" smtClean="0">
-                <a:latin typeface="+mn-ea"/>
-              </a:rPr>
-              <a:t>.</a:t>
-            </a:r>
-          </a:p>
-          <a:p>
-            <a:r>
-              <a:rPr lang="en-US" altLang="ko-KR" sz="1100" dirty="0" smtClean="0">
-                <a:latin typeface="+mn-ea"/>
-              </a:rPr>
               <a:t>Invalidate() : </a:t>
             </a:r>
             <a:r>
-              <a:rPr lang="ko-KR" altLang="en-US" sz="1100" dirty="0" smtClean="0">
+              <a:rPr lang="ko-KR" altLang="en-US" sz="1100" dirty="0">
                 <a:latin typeface="+mn-ea"/>
               </a:rPr>
               <a:t>세션의</a:t>
@@ -5593,13 +5519,13 @@
               <a:t> </a:t>
             </a:r>
             <a:r>
-              <a:rPr lang="ko-KR" altLang="en-US" sz="1100" dirty="0" smtClean="0">
+              <a:rPr lang="ko-KR" altLang="en-US" sz="1100" dirty="0">
                 <a:latin typeface="+mn-ea"/>
               </a:rPr>
               <a:t>모든 데이터를 삭제 합니다</a:t>
             </a:r>
             <a:r>
-              <a:rPr lang="en-US" altLang="ko-KR" sz="1100" dirty="0" smtClean="0">
+              <a:rPr lang="en-US" altLang="ko-KR" sz="1100" dirty="0">
                 <a:latin typeface="+mn-ea"/>
               </a:rPr>
               <a:t>.</a:t>
@@ -5630,7 +5556,7 @@
           <a:lstStyle/>
           <a:p>
             <a:r>
-              <a:rPr lang="ko-KR" altLang="en-US" sz="1100" dirty="0" smtClean="0">
+              <a:rPr lang="ko-KR" altLang="en-US" sz="1100" dirty="0">
                 <a:latin typeface="+mn-ea"/>
               </a:rPr>
               <a:t>세션 예제</a:t>
@@ -5641,9 +5567,6 @@
               </a:rPr>
               <a:t>(jsp_14_2_ex1_sessionex)</a:t>
             </a:r>
-            <a:endParaRPr lang="en-US" altLang="ko-KR" sz="1100" dirty="0" smtClean="0">
-              <a:latin typeface="+mn-ea"/>
-            </a:endParaRPr>
           </a:p>
         </p:txBody>
       </p:sp>
@@ -5711,35 +5634,26 @@
               <a:rPr lang="en-US" altLang="ko-KR" sz="1100" dirty="0">
                 <a:latin typeface="+mn-ea"/>
               </a:rPr>
-              <a:t>s</a:t>
-            </a:r>
-            <a:r>
-              <a:rPr lang="en-US" altLang="ko-KR" sz="1100" dirty="0" smtClean="0">
-                <a:latin typeface="+mn-ea"/>
-              </a:rPr>
-              <a:t>ession </a:t>
-            </a:r>
-            <a:r>
-              <a:rPr lang="ko-KR" altLang="en-US" sz="1100" dirty="0" err="1" smtClean="0">
+              <a:t>session </a:t>
+            </a:r>
+            <a:r>
+              <a:rPr lang="ko-KR" altLang="en-US" sz="1100" dirty="0" err="1">
                 <a:latin typeface="+mn-ea"/>
               </a:rPr>
               <a:t>메소드를</a:t>
             </a:r>
             <a:r>
-              <a:rPr lang="ko-KR" altLang="en-US" sz="1100" dirty="0" smtClean="0">
+              <a:rPr lang="ko-KR" altLang="en-US" sz="1100" dirty="0">
                 <a:latin typeface="+mn-ea"/>
               </a:rPr>
               <a:t> 이용해서 데이터를 저장 및 삭제해 봅니다</a:t>
             </a:r>
             <a:r>
-              <a:rPr lang="en-US" altLang="ko-KR" sz="1100" dirty="0" smtClean="0">
+              <a:rPr lang="en-US" altLang="ko-KR" sz="1100" dirty="0">
                 <a:latin typeface="+mn-ea"/>
               </a:rPr>
               <a:t>.</a:t>
             </a:r>
-            <a:endParaRPr lang="en-US" altLang="ko-KR" sz="1100" dirty="0">
-              <a:latin typeface="+mn-ea"/>
-            </a:endParaRPr>
           </a:p>
         </p:txBody>
       </p:sp>
@@ -5792,7 +5706,7 @@
               <a:t>config</a:t>
             </a:r>
             <a:r>
-              <a:rPr lang="en-US" altLang="ko-KR" dirty="0" smtClean="0">
+              <a:rPr lang="en-US" altLang="ko-KR" dirty="0">
                 <a:solidFill>
                   <a:srgbClr val="0000FF"/>
                 </a:solidFill>
@@ -5800,122 +5714,6 @@
               </a:rPr>
               <a:t>&gt;</a:t>
             </a:r>
-            <a:endParaRPr lang="en-US" altLang="ko-KR" dirty="0" smtClean="0">
-              <a:solidFill>
-                <a:srgbClr val="0000FF"/>
-              </a:solidFill>
-            </a:endParaRPr>
-          </a:p>
-          <a:p>
-            <a:r>
-              <a:rPr lang="en-US" altLang="ko-KR" dirty="0" smtClean="0">
-                <a:solidFill>
-                  <a:srgbClr val="0000FF"/>
-                </a:solidFill>
-              </a:rPr>
-              <a:t>&lt;</a:t>
-            </a:r>
-            <a:r>
-              <a:rPr lang="en-US" altLang="ko-KR" dirty="0">
-                <a:solidFill>
-                  <a:srgbClr val="990000"/>
-                </a:solidFill>
-              </a:rPr>
-              <a:t>session-timeout</a:t>
-            </a:r>
-            <a:r>
-              <a:rPr lang="en-US" altLang="ko-KR" dirty="0">
-                <a:solidFill>
-                  <a:srgbClr val="0000FF"/>
-                </a:solidFill>
-              </a:rPr>
-              <a:t>&gt;</a:t>
-            </a:r>
-            <a:r>
-              <a:rPr lang="en-US" altLang="ko-KR" dirty="0"/>
-              <a:t>30</a:t>
-            </a:r>
-            <a:r>
-              <a:rPr lang="en-US" altLang="ko-KR" dirty="0">
-                <a:solidFill>
-                  <a:srgbClr val="0000FF"/>
-                </a:solidFill>
-              </a:rPr>
-              <a:t>&lt;/</a:t>
-            </a:r>
-            <a:r>
-              <a:rPr lang="en-US" altLang="ko-KR" dirty="0">
-                <a:solidFill>
-                  <a:srgbClr val="990000"/>
-                </a:solidFill>
-              </a:rPr>
-              <a:t>session-timeout</a:t>
-            </a:r>
-            <a:r>
-              <a:rPr lang="en-US" altLang="ko-KR" dirty="0" smtClean="0">
-                <a:solidFill>
-                  <a:srgbClr val="0000FF"/>
-                </a:solidFill>
-              </a:rPr>
-              <a:t>&gt;(</a:t>
-            </a:r>
-            <a:r>
-              <a:rPr lang="ko-KR" altLang="en-US" dirty="0" smtClean="0">
-                <a:solidFill>
-                  <a:srgbClr val="0000FF"/>
-                </a:solidFill>
-              </a:rPr>
-              <a:t>단위는 분임</a:t>
-            </a:r>
-            <a:r>
-              <a:rPr lang="en-US" altLang="ko-KR" smtClean="0">
-                <a:solidFill>
-                  <a:srgbClr val="0000FF"/>
-                </a:solidFill>
-              </a:rPr>
-              <a:t>)</a:t>
-            </a:r>
-            <a:endParaRPr lang="en-US" altLang="ko-KR" dirty="0" smtClean="0">
-              <a:solidFill>
-                <a:srgbClr val="0000FF"/>
-              </a:solidFill>
-            </a:endParaRPr>
-          </a:p>
-          <a:p>
-            <a:r>
-              <a:rPr lang="en-US" altLang="ko-KR" dirty="0" smtClean="0">
-                <a:solidFill>
-                  <a:srgbClr val="0000FF"/>
-                </a:solidFill>
-              </a:rPr>
-              <a:t>&lt;/</a:t>
-            </a:r>
-            <a:r>
-              <a:rPr lang="en-US" altLang="ko-KR" dirty="0">
-                <a:solidFill>
-                  <a:srgbClr val="990000"/>
-                </a:solidFill>
-              </a:rPr>
-              <a:t>session-</a:t>
-            </a:r>
-            <a:r>
-              <a:rPr lang="en-US" altLang="ko-KR" dirty="0" err="1">
-                <a:solidFill>
-                  <a:srgbClr val="990000"/>
-                </a:solidFill>
-              </a:rPr>
-              <a:t>config</a:t>
-            </a:r>
-            <a:r>
-              <a:rPr lang="en-US" altLang="ko-KR" dirty="0" smtClean="0">
-                <a:solidFill>
-                  <a:srgbClr val="0000FF"/>
-                </a:solidFill>
-              </a:rPr>
-              <a:t>&gt;</a:t>
-            </a:r>
-          </a:p>
-          <a:p>
             <a:endParaRPr lang="en-US" altLang="ko-KR" dirty="0">
               <a:solidFill>
                 <a:srgbClr val="0000FF"/>
@@ -5924,31 +5722,147 @@
           </a:p>
           <a:p>
             <a:r>
-              <a:rPr lang="en-US" altLang="ko-KR" dirty="0" smtClean="0">
+              <a:rPr lang="en-US" altLang="ko-KR" dirty="0">
                 <a:solidFill>
                   <a:srgbClr val="0000FF"/>
                 </a:solidFill>
               </a:rPr>
-              <a:t>--</a:t>
-            </a:r>
-            <a:r>
-              <a:rPr lang="en-US" altLang="ko-KR" dirty="0" err="1" smtClean="0">
+              <a:t>&lt;</a:t>
+            </a:r>
+            <a:r>
+              <a:rPr lang="en-US" altLang="ko-KR" dirty="0">
+                <a:solidFill>
+                  <a:srgbClr val="990000"/>
+                </a:solidFill>
+              </a:rPr>
+              <a:t>session-timeout</a:t>
+            </a:r>
+            <a:r>
+              <a:rPr lang="en-US" altLang="ko-KR" dirty="0">
                 <a:solidFill>
                   <a:srgbClr val="0000FF"/>
                 </a:solidFill>
               </a:rPr>
-              <a:t>conf</a:t>
-            </a:r>
-            <a:r>
-              <a:rPr lang="en-US" altLang="ko-KR" dirty="0" smtClean="0">
+              <a:t>&gt;</a:t>
+            </a:r>
+            <a:r>
+              <a:rPr lang="en-US" altLang="ko-KR" dirty="0"/>
+              <a:t>30</a:t>
+            </a:r>
+            <a:r>
+              <a:rPr lang="en-US" altLang="ko-KR" dirty="0">
                 <a:solidFill>
                   <a:srgbClr val="0000FF"/>
                 </a:solidFill>
               </a:rPr>
+              <a:t>&lt;/</a:t>
+            </a:r>
+            <a:r>
+              <a:rPr lang="en-US" altLang="ko-KR" dirty="0">
+                <a:solidFill>
+                  <a:srgbClr val="990000"/>
+                </a:solidFill>
+              </a:rPr>
+              <a:t>session-timeout</a:t>
+            </a:r>
+            <a:r>
+              <a:rPr lang="en-US" altLang="ko-KR" dirty="0">
+                <a:solidFill>
+                  <a:srgbClr val="0000FF"/>
+                </a:solidFill>
+              </a:rPr>
+              <a:t>&gt;(</a:t>
+            </a:r>
+            <a:r>
+              <a:rPr lang="ko-KR" altLang="en-US" dirty="0">
+                <a:solidFill>
+                  <a:srgbClr val="0000FF"/>
+                </a:solidFill>
+              </a:rPr>
+              <a:t>단위는 분임</a:t>
+            </a:r>
+            <a:r>
+              <a:rPr lang="en-US" altLang="ko-KR">
+                <a:solidFill>
+                  <a:srgbClr val="0000FF"/>
+                </a:solidFill>
+              </a:rPr>
+              <a:t>)</a:t>
+            </a:r>
+            <a:endParaRPr lang="en-US" altLang="ko-KR" dirty="0">
+              <a:solidFill>
+                <a:srgbClr val="0000FF"/>
+              </a:solidFill>
+            </a:endParaRPr>
+          </a:p>
+          <a:p>
+            <a:r>
+              <a:rPr lang="en-US" altLang="ko-KR" dirty="0">
+                <a:solidFill>
+                  <a:srgbClr val="0000FF"/>
+                </a:solidFill>
+              </a:rPr>
+              <a:t>&lt;/</a:t>
+            </a:r>
+            <a:r>
+              <a:rPr lang="en-US" altLang="ko-KR" dirty="0">
+                <a:solidFill>
+                  <a:srgbClr val="990000"/>
+                </a:solidFill>
+              </a:rPr>
+              <a:t>session-</a:t>
+            </a:r>
+            <a:r>
+              <a:rPr lang="en-US" altLang="ko-KR" dirty="0" err="1">
+                <a:solidFill>
+                  <a:srgbClr val="990000"/>
+                </a:solidFill>
+              </a:rPr>
+              <a:t>config</a:t>
+            </a:r>
+            <a:r>
+              <a:rPr lang="en-US" altLang="ko-KR" dirty="0">
+                <a:solidFill>
+                  <a:srgbClr val="0000FF"/>
+                </a:solidFill>
+              </a:rPr>
+              <a:t>&gt;</a:t>
+            </a:r>
+          </a:p>
+          <a:p>
+            <a:endParaRPr lang="en-US" altLang="ko-KR" dirty="0">
+              <a:solidFill>
+                <a:srgbClr val="0000FF"/>
+              </a:solidFill>
+            </a:endParaRPr>
+          </a:p>
+          <a:p>
+            <a:r>
+              <a:rPr lang="en-US" altLang="ko-KR" dirty="0">
+                <a:solidFill>
+                  <a:srgbClr val="0000FF"/>
+                </a:solidFill>
+              </a:rPr>
+              <a:t>--</a:t>
+            </a:r>
+            <a:r>
+              <a:rPr lang="en-US" altLang="ko-KR" dirty="0" err="1">
+                <a:solidFill>
+                  <a:srgbClr val="0000FF"/>
+                </a:solidFill>
+              </a:rPr>
+              <a:t>conf</a:t>
+            </a:r>
+            <a:r>
+              <a:rPr lang="en-US" altLang="ko-KR" dirty="0">
+                <a:solidFill>
+                  <a:srgbClr val="0000FF"/>
+                </a:solidFill>
+              </a:rPr>
               <a:t>/web.xml</a:t>
             </a:r>
             <a:r>
-              <a:rPr lang="ko-KR" altLang="en-US" dirty="0" smtClean="0">
+              <a:rPr lang="ko-KR" altLang="en-US" dirty="0">
                 <a:solidFill>
                   <a:srgbClr val="0000FF"/>
                 </a:solidFill>
@@ -5969,13 +5883,6 @@
   <p:clrMapOvr>
     <a:masterClrMapping/>
   </p:clrMapOvr>
-  <p:timing>
-    <p:tnLst>
-      <p:par>
-        <p:cTn id="1" dur="indefinite" restart="never" nodeType="tmRoot"/>
-      </p:par>
-    </p:tnLst>
-  </p:timing>
 </p:sld>
 </file>
 
